--- a/Slides/03 - Pessoas envolvidas na criação de jogos digitais.pptx
+++ b/Slides/03 - Pessoas envolvidas na criação de jogos digitais.pptx
@@ -17,7 +17,11 @@
     <p:sldId id="264" r:id="rId11"/>
     <p:sldId id="265" r:id="rId12"/>
     <p:sldId id="266" r:id="rId13"/>
-    <p:sldId id="268" r:id="rId14"/>
+    <p:sldId id="269" r:id="rId14"/>
+    <p:sldId id="270" r:id="rId15"/>
+    <p:sldId id="271" r:id="rId16"/>
+    <p:sldId id="272" r:id="rId17"/>
+    <p:sldId id="268" r:id="rId18"/>
   </p:sldIdLst>
   <p:sldSz cx="12192000" cy="6858000"/>
   <p:notesSz cx="6858000" cy="9144000"/>
@@ -8028,6 +8032,2063 @@
       </p:grpSpPr>
       <p:sp useBgFill="1">
         <p:nvSpPr>
+          <p:cNvPr id="7175" name="Rectangle 7174">
+            <a:extLst>
+              <a:ext uri="{FF2B5EF4-FFF2-40B4-BE49-F238E27FC236}">
+                <a16:creationId xmlns:a16="http://schemas.microsoft.com/office/drawing/2014/main" id="{B9403C7F-76AE-4587-92A2-D4E41EBE68BD}"/>
+              </a:ext>
+              <a:ext uri="{C183D7F6-B498-43B3-948B-1728B52AA6E4}">
+                <adec:decorative xmlns:adec="http://schemas.microsoft.com/office/drawing/2017/decorative" val="1"/>
+              </a:ext>
+            </a:extLst>
+          </p:cNvPr>
+          <p:cNvSpPr>
+            <a:spLocks noGrp="1" noRot="1" noChangeAspect="1" noMove="1" noResize="1" noEditPoints="1" noAdjustHandles="1" noChangeArrowheads="1" noChangeShapeType="1" noTextEdit="1"/>
+          </p:cNvSpPr>
+          <p:nvPr>
+            <p:extLst>
+              <p:ext uri="{386F3935-93C4-4BCD-93E2-E3B085C9AB24}">
+                <p16:designElem xmlns:p16="http://schemas.microsoft.com/office/powerpoint/2015/main" val="1"/>
+              </p:ext>
+            </p:extLst>
+          </p:nvPr>
+        </p:nvSpPr>
+        <p:spPr>
+          <a:xfrm>
+            <a:off x="0" y="0"/>
+            <a:ext cx="12192000" cy="6858000"/>
+          </a:xfrm>
+          <a:prstGeom prst="rect">
+            <a:avLst/>
+          </a:prstGeom>
+          <a:ln>
+            <a:noFill/>
+          </a:ln>
+        </p:spPr>
+        <p:style>
+          <a:lnRef idx="2">
+            <a:schemeClr val="accent1">
+              <a:shade val="50000"/>
+            </a:schemeClr>
+          </a:lnRef>
+          <a:fillRef idx="1">
+            <a:schemeClr val="accent1"/>
+          </a:fillRef>
+          <a:effectRef idx="0">
+            <a:schemeClr val="accent1"/>
+          </a:effectRef>
+          <a:fontRef idx="minor">
+            <a:schemeClr val="lt1"/>
+          </a:fontRef>
+        </p:style>
+        <p:txBody>
+          <a:bodyPr rtlCol="0" anchor="ctr"/>
+          <a:lstStyle/>
+          <a:p>
+            <a:pPr algn="ctr"/>
+            <a:endParaRPr lang="en-US"/>
+          </a:p>
+        </p:txBody>
+      </p:sp>
+      <p:sp>
+        <p:nvSpPr>
+          <p:cNvPr id="2" name="Título 1"/>
+          <p:cNvSpPr>
+            <a:spLocks noGrp="1"/>
+          </p:cNvSpPr>
+          <p:nvPr>
+            <p:ph type="title"/>
+          </p:nvPr>
+        </p:nvSpPr>
+        <p:spPr>
+          <a:xfrm>
+            <a:off x="3978579" y="4487332"/>
+            <a:ext cx="5627158" cy="1507067"/>
+          </a:xfrm>
+        </p:spPr>
+        <p:txBody>
+          <a:bodyPr>
+            <a:normAutofit/>
+          </a:bodyPr>
+          <a:lstStyle/>
+          <a:p>
+            <a:r>
+              <a:rPr lang="pt-BR" dirty="0"/>
+              <a:t>REDATOR</a:t>
+            </a:r>
+          </a:p>
+        </p:txBody>
+      </p:sp>
+      <p:pic>
+        <p:nvPicPr>
+          <p:cNvPr id="7170" name="Picture 2"/>
+          <p:cNvPicPr>
+            <a:picLocks noChangeAspect="1" noChangeArrowheads="1"/>
+          </p:cNvPicPr>
+          <p:nvPr/>
+        </p:nvPicPr>
+        <p:blipFill>
+          <a:blip r:embed="rId2">
+            <a:extLst>
+              <a:ext uri="{28A0092B-C50C-407E-A947-70E740481C1C}">
+                <a14:useLocalDpi xmlns:a14="http://schemas.microsoft.com/office/drawing/2010/main" val="0"/>
+              </a:ext>
+            </a:extLst>
+          </a:blip>
+          <a:srcRect l="32904" r="32904"/>
+          <a:stretch/>
+        </p:blipFill>
+        <p:spPr bwMode="auto">
+          <a:xfrm>
+            <a:off x="0" y="10"/>
+            <a:ext cx="3502025" cy="6857990"/>
+          </a:xfrm>
+          <a:prstGeom prst="rect">
+            <a:avLst/>
+          </a:prstGeom>
+          <a:noFill/>
+          <a:effectLst>
+            <a:innerShdw blurRad="57150" dist="38100" dir="14460000">
+              <a:prstClr val="black">
+                <a:alpha val="70000"/>
+              </a:prstClr>
+            </a:innerShdw>
+          </a:effectLst>
+          <a:extLst>
+            <a:ext uri="{909E8E84-426E-40DD-AFC4-6F175D3DCCD1}">
+              <a14:hiddenFill xmlns:a14="http://schemas.microsoft.com/office/drawing/2010/main">
+                <a:solidFill>
+                  <a:srgbClr val="FFFFFF"/>
+                </a:solidFill>
+              </a14:hiddenFill>
+            </a:ext>
+          </a:extLst>
+        </p:spPr>
+      </p:pic>
+      <p:sp>
+        <p:nvSpPr>
+          <p:cNvPr id="3" name="Espaço Reservado para Conteúdo 2"/>
+          <p:cNvSpPr>
+            <a:spLocks noGrp="1"/>
+          </p:cNvSpPr>
+          <p:nvPr>
+            <p:ph idx="1"/>
+          </p:nvPr>
+        </p:nvSpPr>
+        <p:spPr>
+          <a:xfrm>
+            <a:off x="3876300" y="1018646"/>
+            <a:ext cx="6626072" cy="3615267"/>
+          </a:xfrm>
+        </p:spPr>
+        <p:txBody>
+          <a:bodyPr>
+            <a:noAutofit/>
+          </a:bodyPr>
+          <a:lstStyle/>
+          <a:p>
+            <a:r>
+              <a:rPr lang="pt-BR" sz="2800" dirty="0"/>
+              <a:t>O Redator é o responsável por criar o roteiro e a história do jogo, vai ser ele quem vai criar como vai ser o decorrer do mesmo </a:t>
+            </a:r>
+          </a:p>
+          <a:p>
+            <a:r>
+              <a:rPr lang="pt-BR" sz="2800" dirty="0"/>
+              <a:t>Exemplo: </a:t>
+            </a:r>
+          </a:p>
+          <a:p>
+            <a:pPr lvl="1"/>
+            <a:r>
+              <a:rPr lang="pt-BR" sz="2800" dirty="0"/>
+              <a:t>A história onde o personagem principal vai ser inserido.</a:t>
+            </a:r>
+          </a:p>
+          <a:p>
+            <a:pPr lvl="1"/>
+            <a:r>
+              <a:rPr lang="pt-BR" sz="2800" dirty="0"/>
+              <a:t>Como os avanços e progressões vão ocorrer.</a:t>
+            </a:r>
+          </a:p>
+          <a:p>
+            <a:endParaRPr lang="pt-BR" sz="2800" dirty="0"/>
+          </a:p>
+        </p:txBody>
+      </p:sp>
+      <p:grpSp>
+        <p:nvGrpSpPr>
+          <p:cNvPr id="7177" name="Group 7176">
+            <a:extLst>
+              <a:ext uri="{FF2B5EF4-FFF2-40B4-BE49-F238E27FC236}">
+                <a16:creationId xmlns:a16="http://schemas.microsoft.com/office/drawing/2014/main" id="{D6C71778-3DDA-4748-AEBB-2A4B75016325}"/>
+              </a:ext>
+              <a:ext uri="{C183D7F6-B498-43B3-948B-1728B52AA6E4}">
+                <adec:decorative xmlns:adec="http://schemas.microsoft.com/office/drawing/2017/decorative" val="1"/>
+              </a:ext>
+            </a:extLst>
+          </p:cNvPr>
+          <p:cNvGrpSpPr>
+            <a:grpSpLocks noGrp="1" noUngrp="1" noRot="1" noChangeAspect="1" noMove="1" noResize="1"/>
+          </p:cNvGrpSpPr>
+          <p:nvPr>
+            <p:extLst>
+              <p:ext uri="{386F3935-93C4-4BCD-93E2-E3B085C9AB24}">
+                <p16:designElem xmlns:p16="http://schemas.microsoft.com/office/powerpoint/2015/main" val="1"/>
+              </p:ext>
+            </p:extLst>
+          </p:nvPr>
+        </p:nvGrpSpPr>
+        <p:grpSpPr>
+          <a:xfrm>
+            <a:off x="9206969" y="2963333"/>
+            <a:ext cx="2981858" cy="3208867"/>
+            <a:chOff x="9206969" y="2963333"/>
+            <a:chExt cx="2981858" cy="3208867"/>
+          </a:xfrm>
+        </p:grpSpPr>
+        <p:cxnSp>
+          <p:nvCxnSpPr>
+            <p:cNvPr id="7178" name="Straight Connector 7177">
+              <a:extLst>
+                <a:ext uri="{FF2B5EF4-FFF2-40B4-BE49-F238E27FC236}">
+                  <a16:creationId xmlns:a16="http://schemas.microsoft.com/office/drawing/2014/main" id="{BA1F5C7D-5183-424E-BD72-BBFC59C5A263}"/>
+                </a:ext>
+                <a:ext uri="{C183D7F6-B498-43B3-948B-1728B52AA6E4}">
+                  <adec:decorative xmlns:adec="http://schemas.microsoft.com/office/drawing/2017/decorative" val="1"/>
+                </a:ext>
+              </a:extLst>
+            </p:cNvPr>
+            <p:cNvCxnSpPr/>
+            <p:nvPr>
+              <p:extLst>
+                <p:ext uri="{386F3935-93C4-4BCD-93E2-E3B085C9AB24}">
+                  <p16:designElem xmlns:p16="http://schemas.microsoft.com/office/powerpoint/2015/main" val="1"/>
+                </p:ext>
+              </p:extLst>
+            </p:nvPr>
+          </p:nvCxnSpPr>
+          <p:spPr>
+            <a:xfrm flipH="1">
+              <a:off x="11276012" y="2963333"/>
+              <a:ext cx="912814" cy="912812"/>
+            </a:xfrm>
+            <a:prstGeom prst="line">
+              <a:avLst/>
+            </a:prstGeom>
+            <a:ln w="9525">
+              <a:solidFill>
+                <a:schemeClr val="tx1"/>
+              </a:solidFill>
+            </a:ln>
+          </p:spPr>
+          <p:style>
+            <a:lnRef idx="2">
+              <a:schemeClr val="accent1"/>
+            </a:lnRef>
+            <a:fillRef idx="0">
+              <a:schemeClr val="accent1"/>
+            </a:fillRef>
+            <a:effectRef idx="1">
+              <a:schemeClr val="accent1"/>
+            </a:effectRef>
+            <a:fontRef idx="minor">
+              <a:schemeClr val="tx1"/>
+            </a:fontRef>
+          </p:style>
+        </p:cxnSp>
+        <p:cxnSp>
+          <p:nvCxnSpPr>
+            <p:cNvPr id="7179" name="Straight Connector 7178">
+              <a:extLst>
+                <a:ext uri="{FF2B5EF4-FFF2-40B4-BE49-F238E27FC236}">
+                  <a16:creationId xmlns:a16="http://schemas.microsoft.com/office/drawing/2014/main" id="{B848F76E-D8DE-4826-901B-4E4090240E52}"/>
+                </a:ext>
+                <a:ext uri="{C183D7F6-B498-43B3-948B-1728B52AA6E4}">
+                  <adec:decorative xmlns:adec="http://schemas.microsoft.com/office/drawing/2017/decorative" val="1"/>
+                </a:ext>
+              </a:extLst>
+            </p:cNvPr>
+            <p:cNvCxnSpPr/>
+            <p:nvPr>
+              <p:extLst>
+                <p:ext uri="{386F3935-93C4-4BCD-93E2-E3B085C9AB24}">
+                  <p16:designElem xmlns:p16="http://schemas.microsoft.com/office/powerpoint/2015/main" val="1"/>
+                </p:ext>
+              </p:extLst>
+            </p:nvPr>
+          </p:nvCxnSpPr>
+          <p:spPr>
+            <a:xfrm flipH="1">
+              <a:off x="9206969" y="3190344"/>
+              <a:ext cx="2981857" cy="2981856"/>
+            </a:xfrm>
+            <a:prstGeom prst="line">
+              <a:avLst/>
+            </a:prstGeom>
+            <a:ln w="9525">
+              <a:solidFill>
+                <a:schemeClr val="tx1"/>
+              </a:solidFill>
+            </a:ln>
+          </p:spPr>
+          <p:style>
+            <a:lnRef idx="2">
+              <a:schemeClr val="accent1"/>
+            </a:lnRef>
+            <a:fillRef idx="0">
+              <a:schemeClr val="accent1"/>
+            </a:fillRef>
+            <a:effectRef idx="1">
+              <a:schemeClr val="accent1"/>
+            </a:effectRef>
+            <a:fontRef idx="minor">
+              <a:schemeClr val="tx1"/>
+            </a:fontRef>
+          </p:style>
+        </p:cxnSp>
+        <p:cxnSp>
+          <p:nvCxnSpPr>
+            <p:cNvPr id="7180" name="Straight Connector 7179">
+              <a:extLst>
+                <a:ext uri="{FF2B5EF4-FFF2-40B4-BE49-F238E27FC236}">
+                  <a16:creationId xmlns:a16="http://schemas.microsoft.com/office/drawing/2014/main" id="{FAE84420-E672-4A16-8384-42BDDC4A9627}"/>
+                </a:ext>
+                <a:ext uri="{C183D7F6-B498-43B3-948B-1728B52AA6E4}">
+                  <adec:decorative xmlns:adec="http://schemas.microsoft.com/office/drawing/2017/decorative" val="1"/>
+                </a:ext>
+              </a:extLst>
+            </p:cNvPr>
+            <p:cNvCxnSpPr/>
+            <p:nvPr>
+              <p:extLst>
+                <p:ext uri="{386F3935-93C4-4BCD-93E2-E3B085C9AB24}">
+                  <p16:designElem xmlns:p16="http://schemas.microsoft.com/office/powerpoint/2015/main" val="1"/>
+                </p:ext>
+              </p:extLst>
+            </p:nvPr>
+          </p:nvCxnSpPr>
+          <p:spPr>
+            <a:xfrm flipH="1">
+              <a:off x="10292292" y="3285067"/>
+              <a:ext cx="1896534" cy="1896533"/>
+            </a:xfrm>
+            <a:prstGeom prst="line">
+              <a:avLst/>
+            </a:prstGeom>
+            <a:ln w="9525">
+              <a:solidFill>
+                <a:schemeClr val="tx1"/>
+              </a:solidFill>
+            </a:ln>
+          </p:spPr>
+          <p:style>
+            <a:lnRef idx="2">
+              <a:schemeClr val="accent1"/>
+            </a:lnRef>
+            <a:fillRef idx="0">
+              <a:schemeClr val="accent1"/>
+            </a:fillRef>
+            <a:effectRef idx="1">
+              <a:schemeClr val="accent1"/>
+            </a:effectRef>
+            <a:fontRef idx="minor">
+              <a:schemeClr val="tx1"/>
+            </a:fontRef>
+          </p:style>
+        </p:cxnSp>
+        <p:cxnSp>
+          <p:nvCxnSpPr>
+            <p:cNvPr id="7181" name="Straight Connector 7180">
+              <a:extLst>
+                <a:ext uri="{FF2B5EF4-FFF2-40B4-BE49-F238E27FC236}">
+                  <a16:creationId xmlns:a16="http://schemas.microsoft.com/office/drawing/2014/main" id="{044D91EB-FA8D-4FD3-88F8-053F9962BD40}"/>
+                </a:ext>
+                <a:ext uri="{C183D7F6-B498-43B3-948B-1728B52AA6E4}">
+                  <adec:decorative xmlns:adec="http://schemas.microsoft.com/office/drawing/2017/decorative" val="1"/>
+                </a:ext>
+              </a:extLst>
+            </p:cNvPr>
+            <p:cNvCxnSpPr/>
+            <p:nvPr>
+              <p:extLst>
+                <p:ext uri="{386F3935-93C4-4BCD-93E2-E3B085C9AB24}">
+                  <p16:designElem xmlns:p16="http://schemas.microsoft.com/office/powerpoint/2015/main" val="1"/>
+                </p:ext>
+              </p:extLst>
+            </p:nvPr>
+          </p:nvCxnSpPr>
+          <p:spPr>
+            <a:xfrm flipH="1">
+              <a:off x="10443103" y="3131080"/>
+              <a:ext cx="1745722" cy="1745720"/>
+            </a:xfrm>
+            <a:prstGeom prst="line">
+              <a:avLst/>
+            </a:prstGeom>
+            <a:ln w="28575">
+              <a:solidFill>
+                <a:schemeClr val="tx1"/>
+              </a:solidFill>
+            </a:ln>
+          </p:spPr>
+          <p:style>
+            <a:lnRef idx="2">
+              <a:schemeClr val="accent1"/>
+            </a:lnRef>
+            <a:fillRef idx="0">
+              <a:schemeClr val="accent1"/>
+            </a:fillRef>
+            <a:effectRef idx="1">
+              <a:schemeClr val="accent1"/>
+            </a:effectRef>
+            <a:fontRef idx="minor">
+              <a:schemeClr val="tx1"/>
+            </a:fontRef>
+          </p:style>
+        </p:cxnSp>
+        <p:cxnSp>
+          <p:nvCxnSpPr>
+            <p:cNvPr id="7182" name="Straight Connector 7181">
+              <a:extLst>
+                <a:ext uri="{FF2B5EF4-FFF2-40B4-BE49-F238E27FC236}">
+                  <a16:creationId xmlns:a16="http://schemas.microsoft.com/office/drawing/2014/main" id="{756B711F-46BD-4789-926C-CF2F01F71D68}"/>
+                </a:ext>
+                <a:ext uri="{C183D7F6-B498-43B3-948B-1728B52AA6E4}">
+                  <adec:decorative xmlns:adec="http://schemas.microsoft.com/office/drawing/2017/decorative" val="1"/>
+                </a:ext>
+              </a:extLst>
+            </p:cNvPr>
+            <p:cNvCxnSpPr/>
+            <p:nvPr>
+              <p:extLst>
+                <p:ext uri="{386F3935-93C4-4BCD-93E2-E3B085C9AB24}">
+                  <p16:designElem xmlns:p16="http://schemas.microsoft.com/office/powerpoint/2015/main" val="1"/>
+                </p:ext>
+              </p:extLst>
+            </p:nvPr>
+          </p:nvCxnSpPr>
+          <p:spPr>
+            <a:xfrm flipH="1">
+              <a:off x="10918826" y="3683001"/>
+              <a:ext cx="1270001" cy="1269999"/>
+            </a:xfrm>
+            <a:prstGeom prst="line">
+              <a:avLst/>
+            </a:prstGeom>
+            <a:ln w="28575">
+              <a:solidFill>
+                <a:schemeClr val="tx1"/>
+              </a:solidFill>
+            </a:ln>
+          </p:spPr>
+          <p:style>
+            <a:lnRef idx="2">
+              <a:schemeClr val="accent1"/>
+            </a:lnRef>
+            <a:fillRef idx="0">
+              <a:schemeClr val="accent1"/>
+            </a:fillRef>
+            <a:effectRef idx="1">
+              <a:schemeClr val="accent1"/>
+            </a:effectRef>
+            <a:fontRef idx="minor">
+              <a:schemeClr val="tx1"/>
+            </a:fontRef>
+          </p:style>
+        </p:cxnSp>
+      </p:grpSp>
+    </p:spTree>
+    <p:extLst>
+      <p:ext uri="{BB962C8B-B14F-4D97-AF65-F5344CB8AC3E}">
+        <p14:creationId xmlns:p14="http://schemas.microsoft.com/office/powerpoint/2010/main" val="956392605"/>
+      </p:ext>
+    </p:extLst>
+  </p:cSld>
+  <p:clrMapOvr>
+    <a:masterClrMapping/>
+  </p:clrMapOvr>
+</p:sld>
+</file>
+
+<file path=ppt/slides/slide14.xml><?xml version="1.0" encoding="utf-8"?>
+<p:sld xmlns:a="http://schemas.openxmlformats.org/drawingml/2006/main" xmlns:r="http://schemas.openxmlformats.org/officeDocument/2006/relationships" xmlns:p="http://schemas.openxmlformats.org/presentationml/2006/main">
+  <p:cSld>
+    <p:bg>
+      <p:bgPr>
+        <a:gradFill rotWithShape="1">
+          <a:gsLst>
+            <a:gs pos="10000">
+              <a:schemeClr val="bg2">
+                <a:tint val="97000"/>
+                <a:hueMod val="92000"/>
+                <a:satMod val="169000"/>
+                <a:lumMod val="164000"/>
+              </a:schemeClr>
+            </a:gs>
+            <a:gs pos="100000">
+              <a:schemeClr val="bg2">
+                <a:shade val="96000"/>
+                <a:satMod val="120000"/>
+                <a:lumMod val="90000"/>
+              </a:schemeClr>
+            </a:gs>
+          </a:gsLst>
+          <a:lin ang="6120000" scaled="1"/>
+        </a:gradFill>
+        <a:effectLst/>
+      </p:bgPr>
+    </p:bg>
+    <p:spTree>
+      <p:nvGrpSpPr>
+        <p:cNvPr id="1" name=""/>
+        <p:cNvGrpSpPr/>
+        <p:nvPr/>
+      </p:nvGrpSpPr>
+      <p:grpSpPr>
+        <a:xfrm>
+          <a:off x="0" y="0"/>
+          <a:ext cx="0" cy="0"/>
+          <a:chOff x="0" y="0"/>
+          <a:chExt cx="0" cy="0"/>
+        </a:xfrm>
+      </p:grpSpPr>
+      <p:sp useBgFill="1">
+        <p:nvSpPr>
+          <p:cNvPr id="7175" name="Rectangle 7174">
+            <a:extLst>
+              <a:ext uri="{FF2B5EF4-FFF2-40B4-BE49-F238E27FC236}">
+                <a16:creationId xmlns:a16="http://schemas.microsoft.com/office/drawing/2014/main" id="{B9403C7F-76AE-4587-92A2-D4E41EBE68BD}"/>
+              </a:ext>
+              <a:ext uri="{C183D7F6-B498-43B3-948B-1728B52AA6E4}">
+                <adec:decorative xmlns:adec="http://schemas.microsoft.com/office/drawing/2017/decorative" val="1"/>
+              </a:ext>
+            </a:extLst>
+          </p:cNvPr>
+          <p:cNvSpPr>
+            <a:spLocks noGrp="1" noRot="1" noChangeAspect="1" noMove="1" noResize="1" noEditPoints="1" noAdjustHandles="1" noChangeArrowheads="1" noChangeShapeType="1" noTextEdit="1"/>
+          </p:cNvSpPr>
+          <p:nvPr>
+            <p:extLst>
+              <p:ext uri="{386F3935-93C4-4BCD-93E2-E3B085C9AB24}">
+                <p16:designElem xmlns:p16="http://schemas.microsoft.com/office/powerpoint/2015/main" val="1"/>
+              </p:ext>
+            </p:extLst>
+          </p:nvPr>
+        </p:nvSpPr>
+        <p:spPr>
+          <a:xfrm>
+            <a:off x="0" y="0"/>
+            <a:ext cx="12192000" cy="6858000"/>
+          </a:xfrm>
+          <a:prstGeom prst="rect">
+            <a:avLst/>
+          </a:prstGeom>
+          <a:ln>
+            <a:noFill/>
+          </a:ln>
+        </p:spPr>
+        <p:style>
+          <a:lnRef idx="2">
+            <a:schemeClr val="accent1">
+              <a:shade val="50000"/>
+            </a:schemeClr>
+          </a:lnRef>
+          <a:fillRef idx="1">
+            <a:schemeClr val="accent1"/>
+          </a:fillRef>
+          <a:effectRef idx="0">
+            <a:schemeClr val="accent1"/>
+          </a:effectRef>
+          <a:fontRef idx="minor">
+            <a:schemeClr val="lt1"/>
+          </a:fontRef>
+        </p:style>
+        <p:txBody>
+          <a:bodyPr rtlCol="0" anchor="ctr"/>
+          <a:lstStyle/>
+          <a:p>
+            <a:pPr algn="ctr"/>
+            <a:endParaRPr lang="en-US"/>
+          </a:p>
+        </p:txBody>
+      </p:sp>
+      <p:sp>
+        <p:nvSpPr>
+          <p:cNvPr id="2" name="Título 1"/>
+          <p:cNvSpPr>
+            <a:spLocks noGrp="1"/>
+          </p:cNvSpPr>
+          <p:nvPr>
+            <p:ph type="title"/>
+          </p:nvPr>
+        </p:nvSpPr>
+        <p:spPr>
+          <a:xfrm>
+            <a:off x="3978579" y="4487332"/>
+            <a:ext cx="5627158" cy="1507067"/>
+          </a:xfrm>
+        </p:spPr>
+        <p:txBody>
+          <a:bodyPr>
+            <a:normAutofit/>
+          </a:bodyPr>
+          <a:lstStyle/>
+          <a:p>
+            <a:r>
+              <a:rPr lang="pt-BR" dirty="0"/>
+              <a:t>GERENTE DE PRODUTO</a:t>
+            </a:r>
+          </a:p>
+        </p:txBody>
+      </p:sp>
+      <p:pic>
+        <p:nvPicPr>
+          <p:cNvPr id="7170" name="Picture 2"/>
+          <p:cNvPicPr>
+            <a:picLocks noChangeAspect="1" noChangeArrowheads="1"/>
+          </p:cNvPicPr>
+          <p:nvPr/>
+        </p:nvPicPr>
+        <p:blipFill>
+          <a:blip r:embed="rId2">
+            <a:extLst>
+              <a:ext uri="{28A0092B-C50C-407E-A947-70E740481C1C}">
+                <a14:useLocalDpi xmlns:a14="http://schemas.microsoft.com/office/drawing/2010/main" val="0"/>
+              </a:ext>
+            </a:extLst>
+          </a:blip>
+          <a:srcRect l="36729" r="36729"/>
+          <a:stretch/>
+        </p:blipFill>
+        <p:spPr bwMode="auto">
+          <a:xfrm>
+            <a:off x="0" y="-9256"/>
+            <a:ext cx="3502025" cy="6857990"/>
+          </a:xfrm>
+          <a:prstGeom prst="rect">
+            <a:avLst/>
+          </a:prstGeom>
+          <a:noFill/>
+          <a:effectLst>
+            <a:innerShdw blurRad="57150" dist="38100" dir="14460000">
+              <a:prstClr val="black">
+                <a:alpha val="70000"/>
+              </a:prstClr>
+            </a:innerShdw>
+          </a:effectLst>
+          <a:extLst>
+            <a:ext uri="{909E8E84-426E-40DD-AFC4-6F175D3DCCD1}">
+              <a14:hiddenFill xmlns:a14="http://schemas.microsoft.com/office/drawing/2010/main">
+                <a:solidFill>
+                  <a:srgbClr val="FFFFFF"/>
+                </a:solidFill>
+              </a14:hiddenFill>
+            </a:ext>
+          </a:extLst>
+        </p:spPr>
+      </p:pic>
+      <p:sp>
+        <p:nvSpPr>
+          <p:cNvPr id="3" name="Espaço Reservado para Conteúdo 2"/>
+          <p:cNvSpPr>
+            <a:spLocks noGrp="1"/>
+          </p:cNvSpPr>
+          <p:nvPr>
+            <p:ph idx="1"/>
+          </p:nvPr>
+        </p:nvSpPr>
+        <p:spPr>
+          <a:xfrm>
+            <a:off x="3876300" y="1018646"/>
+            <a:ext cx="6626072" cy="3615267"/>
+          </a:xfrm>
+        </p:spPr>
+        <p:txBody>
+          <a:bodyPr>
+            <a:noAutofit/>
+          </a:bodyPr>
+          <a:lstStyle/>
+          <a:p>
+            <a:r>
+              <a:rPr lang="pt-BR" sz="2800" dirty="0"/>
+              <a:t>O Redator é o responsável por criar o roteiro e a história do jogo, vai ser ele quem vai criar como vai ser o decorrer do mesmo </a:t>
+            </a:r>
+          </a:p>
+          <a:p>
+            <a:r>
+              <a:rPr lang="pt-BR" sz="2800" dirty="0"/>
+              <a:t>Exemplo: </a:t>
+            </a:r>
+          </a:p>
+          <a:p>
+            <a:pPr lvl="1"/>
+            <a:r>
+              <a:rPr lang="pt-BR" sz="2800" dirty="0"/>
+              <a:t>A história onde o personagem principal vai ser inserido.</a:t>
+            </a:r>
+          </a:p>
+          <a:p>
+            <a:pPr lvl="1"/>
+            <a:r>
+              <a:rPr lang="pt-BR" sz="2800" dirty="0"/>
+              <a:t>Como os avanços e progressões vão ocorrer.</a:t>
+            </a:r>
+          </a:p>
+          <a:p>
+            <a:endParaRPr lang="pt-BR" sz="2800" dirty="0"/>
+          </a:p>
+        </p:txBody>
+      </p:sp>
+      <p:grpSp>
+        <p:nvGrpSpPr>
+          <p:cNvPr id="7177" name="Group 7176">
+            <a:extLst>
+              <a:ext uri="{FF2B5EF4-FFF2-40B4-BE49-F238E27FC236}">
+                <a16:creationId xmlns:a16="http://schemas.microsoft.com/office/drawing/2014/main" id="{D6C71778-3DDA-4748-AEBB-2A4B75016325}"/>
+              </a:ext>
+              <a:ext uri="{C183D7F6-B498-43B3-948B-1728B52AA6E4}">
+                <adec:decorative xmlns:adec="http://schemas.microsoft.com/office/drawing/2017/decorative" val="1"/>
+              </a:ext>
+            </a:extLst>
+          </p:cNvPr>
+          <p:cNvGrpSpPr>
+            <a:grpSpLocks noGrp="1" noUngrp="1" noRot="1" noChangeAspect="1" noMove="1" noResize="1"/>
+          </p:cNvGrpSpPr>
+          <p:nvPr>
+            <p:extLst>
+              <p:ext uri="{386F3935-93C4-4BCD-93E2-E3B085C9AB24}">
+                <p16:designElem xmlns:p16="http://schemas.microsoft.com/office/powerpoint/2015/main" val="1"/>
+              </p:ext>
+            </p:extLst>
+          </p:nvPr>
+        </p:nvGrpSpPr>
+        <p:grpSpPr>
+          <a:xfrm>
+            <a:off x="9206969" y="2963333"/>
+            <a:ext cx="2981858" cy="3208867"/>
+            <a:chOff x="9206969" y="2963333"/>
+            <a:chExt cx="2981858" cy="3208867"/>
+          </a:xfrm>
+        </p:grpSpPr>
+        <p:cxnSp>
+          <p:nvCxnSpPr>
+            <p:cNvPr id="7178" name="Straight Connector 7177">
+              <a:extLst>
+                <a:ext uri="{FF2B5EF4-FFF2-40B4-BE49-F238E27FC236}">
+                  <a16:creationId xmlns:a16="http://schemas.microsoft.com/office/drawing/2014/main" id="{BA1F5C7D-5183-424E-BD72-BBFC59C5A263}"/>
+                </a:ext>
+                <a:ext uri="{C183D7F6-B498-43B3-948B-1728B52AA6E4}">
+                  <adec:decorative xmlns:adec="http://schemas.microsoft.com/office/drawing/2017/decorative" val="1"/>
+                </a:ext>
+              </a:extLst>
+            </p:cNvPr>
+            <p:cNvCxnSpPr/>
+            <p:nvPr>
+              <p:extLst>
+                <p:ext uri="{386F3935-93C4-4BCD-93E2-E3B085C9AB24}">
+                  <p16:designElem xmlns:p16="http://schemas.microsoft.com/office/powerpoint/2015/main" val="1"/>
+                </p:ext>
+              </p:extLst>
+            </p:nvPr>
+          </p:nvCxnSpPr>
+          <p:spPr>
+            <a:xfrm flipH="1">
+              <a:off x="11276012" y="2963333"/>
+              <a:ext cx="912814" cy="912812"/>
+            </a:xfrm>
+            <a:prstGeom prst="line">
+              <a:avLst/>
+            </a:prstGeom>
+            <a:ln w="9525">
+              <a:solidFill>
+                <a:schemeClr val="tx1"/>
+              </a:solidFill>
+            </a:ln>
+          </p:spPr>
+          <p:style>
+            <a:lnRef idx="2">
+              <a:schemeClr val="accent1"/>
+            </a:lnRef>
+            <a:fillRef idx="0">
+              <a:schemeClr val="accent1"/>
+            </a:fillRef>
+            <a:effectRef idx="1">
+              <a:schemeClr val="accent1"/>
+            </a:effectRef>
+            <a:fontRef idx="minor">
+              <a:schemeClr val="tx1"/>
+            </a:fontRef>
+          </p:style>
+        </p:cxnSp>
+        <p:cxnSp>
+          <p:nvCxnSpPr>
+            <p:cNvPr id="7179" name="Straight Connector 7178">
+              <a:extLst>
+                <a:ext uri="{FF2B5EF4-FFF2-40B4-BE49-F238E27FC236}">
+                  <a16:creationId xmlns:a16="http://schemas.microsoft.com/office/drawing/2014/main" id="{B848F76E-D8DE-4826-901B-4E4090240E52}"/>
+                </a:ext>
+                <a:ext uri="{C183D7F6-B498-43B3-948B-1728B52AA6E4}">
+                  <adec:decorative xmlns:adec="http://schemas.microsoft.com/office/drawing/2017/decorative" val="1"/>
+                </a:ext>
+              </a:extLst>
+            </p:cNvPr>
+            <p:cNvCxnSpPr/>
+            <p:nvPr>
+              <p:extLst>
+                <p:ext uri="{386F3935-93C4-4BCD-93E2-E3B085C9AB24}">
+                  <p16:designElem xmlns:p16="http://schemas.microsoft.com/office/powerpoint/2015/main" val="1"/>
+                </p:ext>
+              </p:extLst>
+            </p:nvPr>
+          </p:nvCxnSpPr>
+          <p:spPr>
+            <a:xfrm flipH="1">
+              <a:off x="9206969" y="3190344"/>
+              <a:ext cx="2981857" cy="2981856"/>
+            </a:xfrm>
+            <a:prstGeom prst="line">
+              <a:avLst/>
+            </a:prstGeom>
+            <a:ln w="9525">
+              <a:solidFill>
+                <a:schemeClr val="tx1"/>
+              </a:solidFill>
+            </a:ln>
+          </p:spPr>
+          <p:style>
+            <a:lnRef idx="2">
+              <a:schemeClr val="accent1"/>
+            </a:lnRef>
+            <a:fillRef idx="0">
+              <a:schemeClr val="accent1"/>
+            </a:fillRef>
+            <a:effectRef idx="1">
+              <a:schemeClr val="accent1"/>
+            </a:effectRef>
+            <a:fontRef idx="minor">
+              <a:schemeClr val="tx1"/>
+            </a:fontRef>
+          </p:style>
+        </p:cxnSp>
+        <p:cxnSp>
+          <p:nvCxnSpPr>
+            <p:cNvPr id="7180" name="Straight Connector 7179">
+              <a:extLst>
+                <a:ext uri="{FF2B5EF4-FFF2-40B4-BE49-F238E27FC236}">
+                  <a16:creationId xmlns:a16="http://schemas.microsoft.com/office/drawing/2014/main" id="{FAE84420-E672-4A16-8384-42BDDC4A9627}"/>
+                </a:ext>
+                <a:ext uri="{C183D7F6-B498-43B3-948B-1728B52AA6E4}">
+                  <adec:decorative xmlns:adec="http://schemas.microsoft.com/office/drawing/2017/decorative" val="1"/>
+                </a:ext>
+              </a:extLst>
+            </p:cNvPr>
+            <p:cNvCxnSpPr/>
+            <p:nvPr>
+              <p:extLst>
+                <p:ext uri="{386F3935-93C4-4BCD-93E2-E3B085C9AB24}">
+                  <p16:designElem xmlns:p16="http://schemas.microsoft.com/office/powerpoint/2015/main" val="1"/>
+                </p:ext>
+              </p:extLst>
+            </p:nvPr>
+          </p:nvCxnSpPr>
+          <p:spPr>
+            <a:xfrm flipH="1">
+              <a:off x="10292292" y="3285067"/>
+              <a:ext cx="1896534" cy="1896533"/>
+            </a:xfrm>
+            <a:prstGeom prst="line">
+              <a:avLst/>
+            </a:prstGeom>
+            <a:ln w="9525">
+              <a:solidFill>
+                <a:schemeClr val="tx1"/>
+              </a:solidFill>
+            </a:ln>
+          </p:spPr>
+          <p:style>
+            <a:lnRef idx="2">
+              <a:schemeClr val="accent1"/>
+            </a:lnRef>
+            <a:fillRef idx="0">
+              <a:schemeClr val="accent1"/>
+            </a:fillRef>
+            <a:effectRef idx="1">
+              <a:schemeClr val="accent1"/>
+            </a:effectRef>
+            <a:fontRef idx="minor">
+              <a:schemeClr val="tx1"/>
+            </a:fontRef>
+          </p:style>
+        </p:cxnSp>
+        <p:cxnSp>
+          <p:nvCxnSpPr>
+            <p:cNvPr id="7181" name="Straight Connector 7180">
+              <a:extLst>
+                <a:ext uri="{FF2B5EF4-FFF2-40B4-BE49-F238E27FC236}">
+                  <a16:creationId xmlns:a16="http://schemas.microsoft.com/office/drawing/2014/main" id="{044D91EB-FA8D-4FD3-88F8-053F9962BD40}"/>
+                </a:ext>
+                <a:ext uri="{C183D7F6-B498-43B3-948B-1728B52AA6E4}">
+                  <adec:decorative xmlns:adec="http://schemas.microsoft.com/office/drawing/2017/decorative" val="1"/>
+                </a:ext>
+              </a:extLst>
+            </p:cNvPr>
+            <p:cNvCxnSpPr/>
+            <p:nvPr>
+              <p:extLst>
+                <p:ext uri="{386F3935-93C4-4BCD-93E2-E3B085C9AB24}">
+                  <p16:designElem xmlns:p16="http://schemas.microsoft.com/office/powerpoint/2015/main" val="1"/>
+                </p:ext>
+              </p:extLst>
+            </p:nvPr>
+          </p:nvCxnSpPr>
+          <p:spPr>
+            <a:xfrm flipH="1">
+              <a:off x="10443103" y="3131080"/>
+              <a:ext cx="1745722" cy="1745720"/>
+            </a:xfrm>
+            <a:prstGeom prst="line">
+              <a:avLst/>
+            </a:prstGeom>
+            <a:ln w="28575">
+              <a:solidFill>
+                <a:schemeClr val="tx1"/>
+              </a:solidFill>
+            </a:ln>
+          </p:spPr>
+          <p:style>
+            <a:lnRef idx="2">
+              <a:schemeClr val="accent1"/>
+            </a:lnRef>
+            <a:fillRef idx="0">
+              <a:schemeClr val="accent1"/>
+            </a:fillRef>
+            <a:effectRef idx="1">
+              <a:schemeClr val="accent1"/>
+            </a:effectRef>
+            <a:fontRef idx="minor">
+              <a:schemeClr val="tx1"/>
+            </a:fontRef>
+          </p:style>
+        </p:cxnSp>
+        <p:cxnSp>
+          <p:nvCxnSpPr>
+            <p:cNvPr id="7182" name="Straight Connector 7181">
+              <a:extLst>
+                <a:ext uri="{FF2B5EF4-FFF2-40B4-BE49-F238E27FC236}">
+                  <a16:creationId xmlns:a16="http://schemas.microsoft.com/office/drawing/2014/main" id="{756B711F-46BD-4789-926C-CF2F01F71D68}"/>
+                </a:ext>
+                <a:ext uri="{C183D7F6-B498-43B3-948B-1728B52AA6E4}">
+                  <adec:decorative xmlns:adec="http://schemas.microsoft.com/office/drawing/2017/decorative" val="1"/>
+                </a:ext>
+              </a:extLst>
+            </p:cNvPr>
+            <p:cNvCxnSpPr/>
+            <p:nvPr>
+              <p:extLst>
+                <p:ext uri="{386F3935-93C4-4BCD-93E2-E3B085C9AB24}">
+                  <p16:designElem xmlns:p16="http://schemas.microsoft.com/office/powerpoint/2015/main" val="1"/>
+                </p:ext>
+              </p:extLst>
+            </p:nvPr>
+          </p:nvCxnSpPr>
+          <p:spPr>
+            <a:xfrm flipH="1">
+              <a:off x="10918826" y="3683001"/>
+              <a:ext cx="1270001" cy="1269999"/>
+            </a:xfrm>
+            <a:prstGeom prst="line">
+              <a:avLst/>
+            </a:prstGeom>
+            <a:ln w="28575">
+              <a:solidFill>
+                <a:schemeClr val="tx1"/>
+              </a:solidFill>
+            </a:ln>
+          </p:spPr>
+          <p:style>
+            <a:lnRef idx="2">
+              <a:schemeClr val="accent1"/>
+            </a:lnRef>
+            <a:fillRef idx="0">
+              <a:schemeClr val="accent1"/>
+            </a:fillRef>
+            <a:effectRef idx="1">
+              <a:schemeClr val="accent1"/>
+            </a:effectRef>
+            <a:fontRef idx="minor">
+              <a:schemeClr val="tx1"/>
+            </a:fontRef>
+          </p:style>
+        </p:cxnSp>
+      </p:grpSp>
+    </p:spTree>
+    <p:extLst>
+      <p:ext uri="{BB962C8B-B14F-4D97-AF65-F5344CB8AC3E}">
+        <p14:creationId xmlns:p14="http://schemas.microsoft.com/office/powerpoint/2010/main" val="3050436985"/>
+      </p:ext>
+    </p:extLst>
+  </p:cSld>
+  <p:clrMapOvr>
+    <a:masterClrMapping/>
+  </p:clrMapOvr>
+</p:sld>
+</file>
+
+<file path=ppt/slides/slide15.xml><?xml version="1.0" encoding="utf-8"?>
+<p:sld xmlns:a="http://schemas.openxmlformats.org/drawingml/2006/main" xmlns:r="http://schemas.openxmlformats.org/officeDocument/2006/relationships" xmlns:p="http://schemas.openxmlformats.org/presentationml/2006/main">
+  <p:cSld>
+    <p:bg>
+      <p:bgPr>
+        <a:gradFill rotWithShape="1">
+          <a:gsLst>
+            <a:gs pos="10000">
+              <a:schemeClr val="bg2">
+                <a:tint val="97000"/>
+                <a:hueMod val="92000"/>
+                <a:satMod val="169000"/>
+                <a:lumMod val="164000"/>
+              </a:schemeClr>
+            </a:gs>
+            <a:gs pos="100000">
+              <a:schemeClr val="bg2">
+                <a:shade val="96000"/>
+                <a:satMod val="120000"/>
+                <a:lumMod val="90000"/>
+              </a:schemeClr>
+            </a:gs>
+          </a:gsLst>
+          <a:lin ang="6120000" scaled="1"/>
+        </a:gradFill>
+        <a:effectLst/>
+      </p:bgPr>
+    </p:bg>
+    <p:spTree>
+      <p:nvGrpSpPr>
+        <p:cNvPr id="1" name=""/>
+        <p:cNvGrpSpPr/>
+        <p:nvPr/>
+      </p:nvGrpSpPr>
+      <p:grpSpPr>
+        <a:xfrm>
+          <a:off x="0" y="0"/>
+          <a:ext cx="0" cy="0"/>
+          <a:chOff x="0" y="0"/>
+          <a:chExt cx="0" cy="0"/>
+        </a:xfrm>
+      </p:grpSpPr>
+      <p:sp useBgFill="1">
+        <p:nvSpPr>
+          <p:cNvPr id="7175" name="Rectangle 7174">
+            <a:extLst>
+              <a:ext uri="{FF2B5EF4-FFF2-40B4-BE49-F238E27FC236}">
+                <a16:creationId xmlns:a16="http://schemas.microsoft.com/office/drawing/2014/main" id="{B9403C7F-76AE-4587-92A2-D4E41EBE68BD}"/>
+              </a:ext>
+              <a:ext uri="{C183D7F6-B498-43B3-948B-1728B52AA6E4}">
+                <adec:decorative xmlns:adec="http://schemas.microsoft.com/office/drawing/2017/decorative" val="1"/>
+              </a:ext>
+            </a:extLst>
+          </p:cNvPr>
+          <p:cNvSpPr>
+            <a:spLocks noGrp="1" noRot="1" noChangeAspect="1" noMove="1" noResize="1" noEditPoints="1" noAdjustHandles="1" noChangeArrowheads="1" noChangeShapeType="1" noTextEdit="1"/>
+          </p:cNvSpPr>
+          <p:nvPr>
+            <p:extLst>
+              <p:ext uri="{386F3935-93C4-4BCD-93E2-E3B085C9AB24}">
+                <p16:designElem xmlns:p16="http://schemas.microsoft.com/office/powerpoint/2015/main" val="1"/>
+              </p:ext>
+            </p:extLst>
+          </p:nvPr>
+        </p:nvSpPr>
+        <p:spPr>
+          <a:xfrm>
+            <a:off x="0" y="0"/>
+            <a:ext cx="12192000" cy="6858000"/>
+          </a:xfrm>
+          <a:prstGeom prst="rect">
+            <a:avLst/>
+          </a:prstGeom>
+          <a:ln>
+            <a:noFill/>
+          </a:ln>
+        </p:spPr>
+        <p:style>
+          <a:lnRef idx="2">
+            <a:schemeClr val="accent1">
+              <a:shade val="50000"/>
+            </a:schemeClr>
+          </a:lnRef>
+          <a:fillRef idx="1">
+            <a:schemeClr val="accent1"/>
+          </a:fillRef>
+          <a:effectRef idx="0">
+            <a:schemeClr val="accent1"/>
+          </a:effectRef>
+          <a:fontRef idx="minor">
+            <a:schemeClr val="lt1"/>
+          </a:fontRef>
+        </p:style>
+        <p:txBody>
+          <a:bodyPr rtlCol="0" anchor="ctr"/>
+          <a:lstStyle/>
+          <a:p>
+            <a:pPr algn="ctr"/>
+            <a:endParaRPr lang="en-US"/>
+          </a:p>
+        </p:txBody>
+      </p:sp>
+      <p:sp>
+        <p:nvSpPr>
+          <p:cNvPr id="2" name="Título 1"/>
+          <p:cNvSpPr>
+            <a:spLocks noGrp="1"/>
+          </p:cNvSpPr>
+          <p:nvPr>
+            <p:ph type="title"/>
+          </p:nvPr>
+        </p:nvSpPr>
+        <p:spPr>
+          <a:xfrm>
+            <a:off x="3978579" y="4487332"/>
+            <a:ext cx="5627158" cy="1507067"/>
+          </a:xfrm>
+        </p:spPr>
+        <p:txBody>
+          <a:bodyPr>
+            <a:normAutofit/>
+          </a:bodyPr>
+          <a:lstStyle/>
+          <a:p>
+            <a:r>
+              <a:rPr lang="pt-BR" dirty="0"/>
+              <a:t>Diretor de arte</a:t>
+            </a:r>
+          </a:p>
+        </p:txBody>
+      </p:sp>
+      <p:pic>
+        <p:nvPicPr>
+          <p:cNvPr id="7170" name="Picture 2"/>
+          <p:cNvPicPr>
+            <a:picLocks noChangeAspect="1" noChangeArrowheads="1"/>
+          </p:cNvPicPr>
+          <p:nvPr/>
+        </p:nvPicPr>
+        <p:blipFill>
+          <a:blip r:embed="rId2">
+            <a:extLst>
+              <a:ext uri="{28A0092B-C50C-407E-A947-70E740481C1C}">
+                <a14:useLocalDpi xmlns:a14="http://schemas.microsoft.com/office/drawing/2010/main" val="0"/>
+              </a:ext>
+            </a:extLst>
+          </a:blip>
+          <a:srcRect l="35288" r="35288"/>
+          <a:stretch/>
+        </p:blipFill>
+        <p:spPr bwMode="auto">
+          <a:xfrm>
+            <a:off x="0" y="10"/>
+            <a:ext cx="3502025" cy="6857990"/>
+          </a:xfrm>
+          <a:prstGeom prst="rect">
+            <a:avLst/>
+          </a:prstGeom>
+          <a:noFill/>
+          <a:effectLst>
+            <a:innerShdw blurRad="57150" dist="38100" dir="14460000">
+              <a:prstClr val="black">
+                <a:alpha val="70000"/>
+              </a:prstClr>
+            </a:innerShdw>
+          </a:effectLst>
+          <a:extLst>
+            <a:ext uri="{909E8E84-426E-40DD-AFC4-6F175D3DCCD1}">
+              <a14:hiddenFill xmlns:a14="http://schemas.microsoft.com/office/drawing/2010/main">
+                <a:solidFill>
+                  <a:srgbClr val="FFFFFF"/>
+                </a:solidFill>
+              </a14:hiddenFill>
+            </a:ext>
+          </a:extLst>
+        </p:spPr>
+      </p:pic>
+      <p:sp>
+        <p:nvSpPr>
+          <p:cNvPr id="3" name="Espaço Reservado para Conteúdo 2"/>
+          <p:cNvSpPr>
+            <a:spLocks noGrp="1"/>
+          </p:cNvSpPr>
+          <p:nvPr>
+            <p:ph idx="1"/>
+          </p:nvPr>
+        </p:nvSpPr>
+        <p:spPr>
+          <a:xfrm>
+            <a:off x="3876300" y="1018646"/>
+            <a:ext cx="6626072" cy="3615267"/>
+          </a:xfrm>
+        </p:spPr>
+        <p:txBody>
+          <a:bodyPr>
+            <a:noAutofit/>
+          </a:bodyPr>
+          <a:lstStyle/>
+          <a:p>
+            <a:r>
+              <a:rPr lang="pt-BR" sz="2800" dirty="0"/>
+              <a:t>Responsável por estabelecer a temática artística do jogo e coordenar o time de artistas.</a:t>
+            </a:r>
+          </a:p>
+          <a:p>
+            <a:pPr marL="0" indent="0">
+              <a:buNone/>
+            </a:pPr>
+            <a:endParaRPr lang="pt-BR" sz="2800" dirty="0"/>
+          </a:p>
+        </p:txBody>
+      </p:sp>
+      <p:grpSp>
+        <p:nvGrpSpPr>
+          <p:cNvPr id="7177" name="Group 7176">
+            <a:extLst>
+              <a:ext uri="{FF2B5EF4-FFF2-40B4-BE49-F238E27FC236}">
+                <a16:creationId xmlns:a16="http://schemas.microsoft.com/office/drawing/2014/main" id="{D6C71778-3DDA-4748-AEBB-2A4B75016325}"/>
+              </a:ext>
+              <a:ext uri="{C183D7F6-B498-43B3-948B-1728B52AA6E4}">
+                <adec:decorative xmlns:adec="http://schemas.microsoft.com/office/drawing/2017/decorative" val="1"/>
+              </a:ext>
+            </a:extLst>
+          </p:cNvPr>
+          <p:cNvGrpSpPr>
+            <a:grpSpLocks noGrp="1" noUngrp="1" noRot="1" noChangeAspect="1" noMove="1" noResize="1"/>
+          </p:cNvGrpSpPr>
+          <p:nvPr>
+            <p:extLst>
+              <p:ext uri="{386F3935-93C4-4BCD-93E2-E3B085C9AB24}">
+                <p16:designElem xmlns:p16="http://schemas.microsoft.com/office/powerpoint/2015/main" val="1"/>
+              </p:ext>
+            </p:extLst>
+          </p:nvPr>
+        </p:nvGrpSpPr>
+        <p:grpSpPr>
+          <a:xfrm>
+            <a:off x="9206969" y="2963333"/>
+            <a:ext cx="2981858" cy="3208867"/>
+            <a:chOff x="9206969" y="2963333"/>
+            <a:chExt cx="2981858" cy="3208867"/>
+          </a:xfrm>
+        </p:grpSpPr>
+        <p:cxnSp>
+          <p:nvCxnSpPr>
+            <p:cNvPr id="7178" name="Straight Connector 7177">
+              <a:extLst>
+                <a:ext uri="{FF2B5EF4-FFF2-40B4-BE49-F238E27FC236}">
+                  <a16:creationId xmlns:a16="http://schemas.microsoft.com/office/drawing/2014/main" id="{BA1F5C7D-5183-424E-BD72-BBFC59C5A263}"/>
+                </a:ext>
+                <a:ext uri="{C183D7F6-B498-43B3-948B-1728B52AA6E4}">
+                  <adec:decorative xmlns:adec="http://schemas.microsoft.com/office/drawing/2017/decorative" val="1"/>
+                </a:ext>
+              </a:extLst>
+            </p:cNvPr>
+            <p:cNvCxnSpPr/>
+            <p:nvPr>
+              <p:extLst>
+                <p:ext uri="{386F3935-93C4-4BCD-93E2-E3B085C9AB24}">
+                  <p16:designElem xmlns:p16="http://schemas.microsoft.com/office/powerpoint/2015/main" val="1"/>
+                </p:ext>
+              </p:extLst>
+            </p:nvPr>
+          </p:nvCxnSpPr>
+          <p:spPr>
+            <a:xfrm flipH="1">
+              <a:off x="11276012" y="2963333"/>
+              <a:ext cx="912814" cy="912812"/>
+            </a:xfrm>
+            <a:prstGeom prst="line">
+              <a:avLst/>
+            </a:prstGeom>
+            <a:ln w="9525">
+              <a:solidFill>
+                <a:schemeClr val="tx1"/>
+              </a:solidFill>
+            </a:ln>
+          </p:spPr>
+          <p:style>
+            <a:lnRef idx="2">
+              <a:schemeClr val="accent1"/>
+            </a:lnRef>
+            <a:fillRef idx="0">
+              <a:schemeClr val="accent1"/>
+            </a:fillRef>
+            <a:effectRef idx="1">
+              <a:schemeClr val="accent1"/>
+            </a:effectRef>
+            <a:fontRef idx="minor">
+              <a:schemeClr val="tx1"/>
+            </a:fontRef>
+          </p:style>
+        </p:cxnSp>
+        <p:cxnSp>
+          <p:nvCxnSpPr>
+            <p:cNvPr id="7179" name="Straight Connector 7178">
+              <a:extLst>
+                <a:ext uri="{FF2B5EF4-FFF2-40B4-BE49-F238E27FC236}">
+                  <a16:creationId xmlns:a16="http://schemas.microsoft.com/office/drawing/2014/main" id="{B848F76E-D8DE-4826-901B-4E4090240E52}"/>
+                </a:ext>
+                <a:ext uri="{C183D7F6-B498-43B3-948B-1728B52AA6E4}">
+                  <adec:decorative xmlns:adec="http://schemas.microsoft.com/office/drawing/2017/decorative" val="1"/>
+                </a:ext>
+              </a:extLst>
+            </p:cNvPr>
+            <p:cNvCxnSpPr/>
+            <p:nvPr>
+              <p:extLst>
+                <p:ext uri="{386F3935-93C4-4BCD-93E2-E3B085C9AB24}">
+                  <p16:designElem xmlns:p16="http://schemas.microsoft.com/office/powerpoint/2015/main" val="1"/>
+                </p:ext>
+              </p:extLst>
+            </p:nvPr>
+          </p:nvCxnSpPr>
+          <p:spPr>
+            <a:xfrm flipH="1">
+              <a:off x="9206969" y="3190344"/>
+              <a:ext cx="2981857" cy="2981856"/>
+            </a:xfrm>
+            <a:prstGeom prst="line">
+              <a:avLst/>
+            </a:prstGeom>
+            <a:ln w="9525">
+              <a:solidFill>
+                <a:schemeClr val="tx1"/>
+              </a:solidFill>
+            </a:ln>
+          </p:spPr>
+          <p:style>
+            <a:lnRef idx="2">
+              <a:schemeClr val="accent1"/>
+            </a:lnRef>
+            <a:fillRef idx="0">
+              <a:schemeClr val="accent1"/>
+            </a:fillRef>
+            <a:effectRef idx="1">
+              <a:schemeClr val="accent1"/>
+            </a:effectRef>
+            <a:fontRef idx="minor">
+              <a:schemeClr val="tx1"/>
+            </a:fontRef>
+          </p:style>
+        </p:cxnSp>
+        <p:cxnSp>
+          <p:nvCxnSpPr>
+            <p:cNvPr id="7180" name="Straight Connector 7179">
+              <a:extLst>
+                <a:ext uri="{FF2B5EF4-FFF2-40B4-BE49-F238E27FC236}">
+                  <a16:creationId xmlns:a16="http://schemas.microsoft.com/office/drawing/2014/main" id="{FAE84420-E672-4A16-8384-42BDDC4A9627}"/>
+                </a:ext>
+                <a:ext uri="{C183D7F6-B498-43B3-948B-1728B52AA6E4}">
+                  <adec:decorative xmlns:adec="http://schemas.microsoft.com/office/drawing/2017/decorative" val="1"/>
+                </a:ext>
+              </a:extLst>
+            </p:cNvPr>
+            <p:cNvCxnSpPr/>
+            <p:nvPr>
+              <p:extLst>
+                <p:ext uri="{386F3935-93C4-4BCD-93E2-E3B085C9AB24}">
+                  <p16:designElem xmlns:p16="http://schemas.microsoft.com/office/powerpoint/2015/main" val="1"/>
+                </p:ext>
+              </p:extLst>
+            </p:nvPr>
+          </p:nvCxnSpPr>
+          <p:spPr>
+            <a:xfrm flipH="1">
+              <a:off x="10292292" y="3285067"/>
+              <a:ext cx="1896534" cy="1896533"/>
+            </a:xfrm>
+            <a:prstGeom prst="line">
+              <a:avLst/>
+            </a:prstGeom>
+            <a:ln w="9525">
+              <a:solidFill>
+                <a:schemeClr val="tx1"/>
+              </a:solidFill>
+            </a:ln>
+          </p:spPr>
+          <p:style>
+            <a:lnRef idx="2">
+              <a:schemeClr val="accent1"/>
+            </a:lnRef>
+            <a:fillRef idx="0">
+              <a:schemeClr val="accent1"/>
+            </a:fillRef>
+            <a:effectRef idx="1">
+              <a:schemeClr val="accent1"/>
+            </a:effectRef>
+            <a:fontRef idx="minor">
+              <a:schemeClr val="tx1"/>
+            </a:fontRef>
+          </p:style>
+        </p:cxnSp>
+        <p:cxnSp>
+          <p:nvCxnSpPr>
+            <p:cNvPr id="7181" name="Straight Connector 7180">
+              <a:extLst>
+                <a:ext uri="{FF2B5EF4-FFF2-40B4-BE49-F238E27FC236}">
+                  <a16:creationId xmlns:a16="http://schemas.microsoft.com/office/drawing/2014/main" id="{044D91EB-FA8D-4FD3-88F8-053F9962BD40}"/>
+                </a:ext>
+                <a:ext uri="{C183D7F6-B498-43B3-948B-1728B52AA6E4}">
+                  <adec:decorative xmlns:adec="http://schemas.microsoft.com/office/drawing/2017/decorative" val="1"/>
+                </a:ext>
+              </a:extLst>
+            </p:cNvPr>
+            <p:cNvCxnSpPr/>
+            <p:nvPr>
+              <p:extLst>
+                <p:ext uri="{386F3935-93C4-4BCD-93E2-E3B085C9AB24}">
+                  <p16:designElem xmlns:p16="http://schemas.microsoft.com/office/powerpoint/2015/main" val="1"/>
+                </p:ext>
+              </p:extLst>
+            </p:nvPr>
+          </p:nvCxnSpPr>
+          <p:spPr>
+            <a:xfrm flipH="1">
+              <a:off x="10443103" y="3131080"/>
+              <a:ext cx="1745722" cy="1745720"/>
+            </a:xfrm>
+            <a:prstGeom prst="line">
+              <a:avLst/>
+            </a:prstGeom>
+            <a:ln w="28575">
+              <a:solidFill>
+                <a:schemeClr val="tx1"/>
+              </a:solidFill>
+            </a:ln>
+          </p:spPr>
+          <p:style>
+            <a:lnRef idx="2">
+              <a:schemeClr val="accent1"/>
+            </a:lnRef>
+            <a:fillRef idx="0">
+              <a:schemeClr val="accent1"/>
+            </a:fillRef>
+            <a:effectRef idx="1">
+              <a:schemeClr val="accent1"/>
+            </a:effectRef>
+            <a:fontRef idx="minor">
+              <a:schemeClr val="tx1"/>
+            </a:fontRef>
+          </p:style>
+        </p:cxnSp>
+        <p:cxnSp>
+          <p:nvCxnSpPr>
+            <p:cNvPr id="7182" name="Straight Connector 7181">
+              <a:extLst>
+                <a:ext uri="{FF2B5EF4-FFF2-40B4-BE49-F238E27FC236}">
+                  <a16:creationId xmlns:a16="http://schemas.microsoft.com/office/drawing/2014/main" id="{756B711F-46BD-4789-926C-CF2F01F71D68}"/>
+                </a:ext>
+                <a:ext uri="{C183D7F6-B498-43B3-948B-1728B52AA6E4}">
+                  <adec:decorative xmlns:adec="http://schemas.microsoft.com/office/drawing/2017/decorative" val="1"/>
+                </a:ext>
+              </a:extLst>
+            </p:cNvPr>
+            <p:cNvCxnSpPr/>
+            <p:nvPr>
+              <p:extLst>
+                <p:ext uri="{386F3935-93C4-4BCD-93E2-E3B085C9AB24}">
+                  <p16:designElem xmlns:p16="http://schemas.microsoft.com/office/powerpoint/2015/main" val="1"/>
+                </p:ext>
+              </p:extLst>
+            </p:nvPr>
+          </p:nvCxnSpPr>
+          <p:spPr>
+            <a:xfrm flipH="1">
+              <a:off x="10918826" y="3683001"/>
+              <a:ext cx="1270001" cy="1269999"/>
+            </a:xfrm>
+            <a:prstGeom prst="line">
+              <a:avLst/>
+            </a:prstGeom>
+            <a:ln w="28575">
+              <a:solidFill>
+                <a:schemeClr val="tx1"/>
+              </a:solidFill>
+            </a:ln>
+          </p:spPr>
+          <p:style>
+            <a:lnRef idx="2">
+              <a:schemeClr val="accent1"/>
+            </a:lnRef>
+            <a:fillRef idx="0">
+              <a:schemeClr val="accent1"/>
+            </a:fillRef>
+            <a:effectRef idx="1">
+              <a:schemeClr val="accent1"/>
+            </a:effectRef>
+            <a:fontRef idx="minor">
+              <a:schemeClr val="tx1"/>
+            </a:fontRef>
+          </p:style>
+        </p:cxnSp>
+      </p:grpSp>
+    </p:spTree>
+    <p:extLst>
+      <p:ext uri="{BB962C8B-B14F-4D97-AF65-F5344CB8AC3E}">
+        <p14:creationId xmlns:p14="http://schemas.microsoft.com/office/powerpoint/2010/main" val="1800851420"/>
+      </p:ext>
+    </p:extLst>
+  </p:cSld>
+  <p:clrMapOvr>
+    <a:masterClrMapping/>
+  </p:clrMapOvr>
+</p:sld>
+</file>
+
+<file path=ppt/slides/slide16.xml><?xml version="1.0" encoding="utf-8"?>
+<p:sld xmlns:a="http://schemas.openxmlformats.org/drawingml/2006/main" xmlns:r="http://schemas.openxmlformats.org/officeDocument/2006/relationships" xmlns:p="http://schemas.openxmlformats.org/presentationml/2006/main">
+  <p:cSld>
+    <p:bg>
+      <p:bgPr>
+        <a:gradFill rotWithShape="1">
+          <a:gsLst>
+            <a:gs pos="10000">
+              <a:schemeClr val="bg2">
+                <a:tint val="97000"/>
+                <a:hueMod val="92000"/>
+                <a:satMod val="169000"/>
+                <a:lumMod val="164000"/>
+              </a:schemeClr>
+            </a:gs>
+            <a:gs pos="100000">
+              <a:schemeClr val="bg2">
+                <a:shade val="96000"/>
+                <a:satMod val="120000"/>
+                <a:lumMod val="90000"/>
+              </a:schemeClr>
+            </a:gs>
+          </a:gsLst>
+          <a:lin ang="6120000" scaled="1"/>
+        </a:gradFill>
+        <a:effectLst/>
+      </p:bgPr>
+    </p:bg>
+    <p:spTree>
+      <p:nvGrpSpPr>
+        <p:cNvPr id="1" name=""/>
+        <p:cNvGrpSpPr/>
+        <p:nvPr/>
+      </p:nvGrpSpPr>
+      <p:grpSpPr>
+        <a:xfrm>
+          <a:off x="0" y="0"/>
+          <a:ext cx="0" cy="0"/>
+          <a:chOff x="0" y="0"/>
+          <a:chExt cx="0" cy="0"/>
+        </a:xfrm>
+      </p:grpSpPr>
+      <p:sp useBgFill="1">
+        <p:nvSpPr>
+          <p:cNvPr id="7175" name="Rectangle 7174">
+            <a:extLst>
+              <a:ext uri="{FF2B5EF4-FFF2-40B4-BE49-F238E27FC236}">
+                <a16:creationId xmlns:a16="http://schemas.microsoft.com/office/drawing/2014/main" id="{B9403C7F-76AE-4587-92A2-D4E41EBE68BD}"/>
+              </a:ext>
+              <a:ext uri="{C183D7F6-B498-43B3-948B-1728B52AA6E4}">
+                <adec:decorative xmlns:adec="http://schemas.microsoft.com/office/drawing/2017/decorative" val="1"/>
+              </a:ext>
+            </a:extLst>
+          </p:cNvPr>
+          <p:cNvSpPr>
+            <a:spLocks noGrp="1" noRot="1" noChangeAspect="1" noMove="1" noResize="1" noEditPoints="1" noAdjustHandles="1" noChangeArrowheads="1" noChangeShapeType="1" noTextEdit="1"/>
+          </p:cNvSpPr>
+          <p:nvPr>
+            <p:extLst>
+              <p:ext uri="{386F3935-93C4-4BCD-93E2-E3B085C9AB24}">
+                <p16:designElem xmlns:p16="http://schemas.microsoft.com/office/powerpoint/2015/main" val="1"/>
+              </p:ext>
+            </p:extLst>
+          </p:nvPr>
+        </p:nvSpPr>
+        <p:spPr>
+          <a:xfrm>
+            <a:off x="0" y="0"/>
+            <a:ext cx="12192000" cy="6858000"/>
+          </a:xfrm>
+          <a:prstGeom prst="rect">
+            <a:avLst/>
+          </a:prstGeom>
+          <a:ln>
+            <a:noFill/>
+          </a:ln>
+        </p:spPr>
+        <p:style>
+          <a:lnRef idx="2">
+            <a:schemeClr val="accent1">
+              <a:shade val="50000"/>
+            </a:schemeClr>
+          </a:lnRef>
+          <a:fillRef idx="1">
+            <a:schemeClr val="accent1"/>
+          </a:fillRef>
+          <a:effectRef idx="0">
+            <a:schemeClr val="accent1"/>
+          </a:effectRef>
+          <a:fontRef idx="minor">
+            <a:schemeClr val="lt1"/>
+          </a:fontRef>
+        </p:style>
+        <p:txBody>
+          <a:bodyPr rtlCol="0" anchor="ctr"/>
+          <a:lstStyle/>
+          <a:p>
+            <a:pPr algn="ctr"/>
+            <a:endParaRPr lang="en-US"/>
+          </a:p>
+        </p:txBody>
+      </p:sp>
+      <p:sp>
+        <p:nvSpPr>
+          <p:cNvPr id="2" name="Título 1"/>
+          <p:cNvSpPr>
+            <a:spLocks noGrp="1"/>
+          </p:cNvSpPr>
+          <p:nvPr>
+            <p:ph type="title"/>
+          </p:nvPr>
+        </p:nvSpPr>
+        <p:spPr>
+          <a:xfrm>
+            <a:off x="3978579" y="4487332"/>
+            <a:ext cx="5627158" cy="1507067"/>
+          </a:xfrm>
+        </p:spPr>
+        <p:txBody>
+          <a:bodyPr>
+            <a:normAutofit/>
+          </a:bodyPr>
+          <a:lstStyle/>
+          <a:p>
+            <a:r>
+              <a:rPr lang="pt-BR" dirty="0"/>
+              <a:t>Diretor de técnico</a:t>
+            </a:r>
+          </a:p>
+        </p:txBody>
+      </p:sp>
+      <p:pic>
+        <p:nvPicPr>
+          <p:cNvPr id="7170" name="Picture 2"/>
+          <p:cNvPicPr>
+            <a:picLocks noChangeAspect="1" noChangeArrowheads="1"/>
+          </p:cNvPicPr>
+          <p:nvPr/>
+        </p:nvPicPr>
+        <p:blipFill>
+          <a:blip r:embed="rId2">
+            <a:extLst>
+              <a:ext uri="{28A0092B-C50C-407E-A947-70E740481C1C}">
+                <a14:useLocalDpi xmlns:a14="http://schemas.microsoft.com/office/drawing/2010/main" val="0"/>
+              </a:ext>
+            </a:extLst>
+          </a:blip>
+          <a:srcRect l="35423" r="35423"/>
+          <a:stretch/>
+        </p:blipFill>
+        <p:spPr bwMode="auto">
+          <a:xfrm>
+            <a:off x="0" y="10"/>
+            <a:ext cx="3502025" cy="6857990"/>
+          </a:xfrm>
+          <a:prstGeom prst="rect">
+            <a:avLst/>
+          </a:prstGeom>
+          <a:noFill/>
+          <a:effectLst>
+            <a:innerShdw blurRad="57150" dist="38100" dir="14460000">
+              <a:prstClr val="black">
+                <a:alpha val="70000"/>
+              </a:prstClr>
+            </a:innerShdw>
+          </a:effectLst>
+          <a:extLst>
+            <a:ext uri="{909E8E84-426E-40DD-AFC4-6F175D3DCCD1}">
+              <a14:hiddenFill xmlns:a14="http://schemas.microsoft.com/office/drawing/2010/main">
+                <a:solidFill>
+                  <a:srgbClr val="FFFFFF"/>
+                </a:solidFill>
+              </a14:hiddenFill>
+            </a:ext>
+          </a:extLst>
+        </p:spPr>
+      </p:pic>
+      <p:sp>
+        <p:nvSpPr>
+          <p:cNvPr id="3" name="Espaço Reservado para Conteúdo 2"/>
+          <p:cNvSpPr>
+            <a:spLocks noGrp="1"/>
+          </p:cNvSpPr>
+          <p:nvPr>
+            <p:ph idx="1"/>
+          </p:nvPr>
+        </p:nvSpPr>
+        <p:spPr>
+          <a:xfrm>
+            <a:off x="3876300" y="795865"/>
+            <a:ext cx="6626072" cy="3615267"/>
+          </a:xfrm>
+        </p:spPr>
+        <p:txBody>
+          <a:bodyPr>
+            <a:noAutofit/>
+          </a:bodyPr>
+          <a:lstStyle/>
+          <a:p>
+            <a:r>
+              <a:rPr lang="pt-BR" sz="2400" dirty="0"/>
+              <a:t>Um diretor-técnico vem de um background técnico. Ele avalia e recomenda ferramentas e software para as equipes, para ajudá-la a trabalhar mais eficientemente. Ele fornece apoio técnico e conselhos quando existem deficiências no pessoal de uma equipe de programação. Ele também faz diligências de cobrança em novas equipes para verificar se estão realmente fazendo o trabalho para o qual foram contratados.</a:t>
+            </a:r>
+            <a:endParaRPr lang="pt-BR" sz="2800" dirty="0"/>
+          </a:p>
+        </p:txBody>
+      </p:sp>
+      <p:grpSp>
+        <p:nvGrpSpPr>
+          <p:cNvPr id="7177" name="Group 7176">
+            <a:extLst>
+              <a:ext uri="{FF2B5EF4-FFF2-40B4-BE49-F238E27FC236}">
+                <a16:creationId xmlns:a16="http://schemas.microsoft.com/office/drawing/2014/main" id="{D6C71778-3DDA-4748-AEBB-2A4B75016325}"/>
+              </a:ext>
+              <a:ext uri="{C183D7F6-B498-43B3-948B-1728B52AA6E4}">
+                <adec:decorative xmlns:adec="http://schemas.microsoft.com/office/drawing/2017/decorative" val="1"/>
+              </a:ext>
+            </a:extLst>
+          </p:cNvPr>
+          <p:cNvGrpSpPr>
+            <a:grpSpLocks noGrp="1" noUngrp="1" noRot="1" noChangeAspect="1" noMove="1" noResize="1"/>
+          </p:cNvGrpSpPr>
+          <p:nvPr>
+            <p:extLst>
+              <p:ext uri="{386F3935-93C4-4BCD-93E2-E3B085C9AB24}">
+                <p16:designElem xmlns:p16="http://schemas.microsoft.com/office/powerpoint/2015/main" val="1"/>
+              </p:ext>
+            </p:extLst>
+          </p:nvPr>
+        </p:nvGrpSpPr>
+        <p:grpSpPr>
+          <a:xfrm>
+            <a:off x="9206969" y="2963333"/>
+            <a:ext cx="2981858" cy="3208867"/>
+            <a:chOff x="9206969" y="2963333"/>
+            <a:chExt cx="2981858" cy="3208867"/>
+          </a:xfrm>
+        </p:grpSpPr>
+        <p:cxnSp>
+          <p:nvCxnSpPr>
+            <p:cNvPr id="7178" name="Straight Connector 7177">
+              <a:extLst>
+                <a:ext uri="{FF2B5EF4-FFF2-40B4-BE49-F238E27FC236}">
+                  <a16:creationId xmlns:a16="http://schemas.microsoft.com/office/drawing/2014/main" id="{BA1F5C7D-5183-424E-BD72-BBFC59C5A263}"/>
+                </a:ext>
+                <a:ext uri="{C183D7F6-B498-43B3-948B-1728B52AA6E4}">
+                  <adec:decorative xmlns:adec="http://schemas.microsoft.com/office/drawing/2017/decorative" val="1"/>
+                </a:ext>
+              </a:extLst>
+            </p:cNvPr>
+            <p:cNvCxnSpPr/>
+            <p:nvPr>
+              <p:extLst>
+                <p:ext uri="{386F3935-93C4-4BCD-93E2-E3B085C9AB24}">
+                  <p16:designElem xmlns:p16="http://schemas.microsoft.com/office/powerpoint/2015/main" val="1"/>
+                </p:ext>
+              </p:extLst>
+            </p:nvPr>
+          </p:nvCxnSpPr>
+          <p:spPr>
+            <a:xfrm flipH="1">
+              <a:off x="11276012" y="2963333"/>
+              <a:ext cx="912814" cy="912812"/>
+            </a:xfrm>
+            <a:prstGeom prst="line">
+              <a:avLst/>
+            </a:prstGeom>
+            <a:ln w="9525">
+              <a:solidFill>
+                <a:schemeClr val="tx1"/>
+              </a:solidFill>
+            </a:ln>
+          </p:spPr>
+          <p:style>
+            <a:lnRef idx="2">
+              <a:schemeClr val="accent1"/>
+            </a:lnRef>
+            <a:fillRef idx="0">
+              <a:schemeClr val="accent1"/>
+            </a:fillRef>
+            <a:effectRef idx="1">
+              <a:schemeClr val="accent1"/>
+            </a:effectRef>
+            <a:fontRef idx="minor">
+              <a:schemeClr val="tx1"/>
+            </a:fontRef>
+          </p:style>
+        </p:cxnSp>
+        <p:cxnSp>
+          <p:nvCxnSpPr>
+            <p:cNvPr id="7179" name="Straight Connector 7178">
+              <a:extLst>
+                <a:ext uri="{FF2B5EF4-FFF2-40B4-BE49-F238E27FC236}">
+                  <a16:creationId xmlns:a16="http://schemas.microsoft.com/office/drawing/2014/main" id="{B848F76E-D8DE-4826-901B-4E4090240E52}"/>
+                </a:ext>
+                <a:ext uri="{C183D7F6-B498-43B3-948B-1728B52AA6E4}">
+                  <adec:decorative xmlns:adec="http://schemas.microsoft.com/office/drawing/2017/decorative" val="1"/>
+                </a:ext>
+              </a:extLst>
+            </p:cNvPr>
+            <p:cNvCxnSpPr/>
+            <p:nvPr>
+              <p:extLst>
+                <p:ext uri="{386F3935-93C4-4BCD-93E2-E3B085C9AB24}">
+                  <p16:designElem xmlns:p16="http://schemas.microsoft.com/office/powerpoint/2015/main" val="1"/>
+                </p:ext>
+              </p:extLst>
+            </p:nvPr>
+          </p:nvCxnSpPr>
+          <p:spPr>
+            <a:xfrm flipH="1">
+              <a:off x="9206969" y="3190344"/>
+              <a:ext cx="2981857" cy="2981856"/>
+            </a:xfrm>
+            <a:prstGeom prst="line">
+              <a:avLst/>
+            </a:prstGeom>
+            <a:ln w="9525">
+              <a:solidFill>
+                <a:schemeClr val="tx1"/>
+              </a:solidFill>
+            </a:ln>
+          </p:spPr>
+          <p:style>
+            <a:lnRef idx="2">
+              <a:schemeClr val="accent1"/>
+            </a:lnRef>
+            <a:fillRef idx="0">
+              <a:schemeClr val="accent1"/>
+            </a:fillRef>
+            <a:effectRef idx="1">
+              <a:schemeClr val="accent1"/>
+            </a:effectRef>
+            <a:fontRef idx="minor">
+              <a:schemeClr val="tx1"/>
+            </a:fontRef>
+          </p:style>
+        </p:cxnSp>
+        <p:cxnSp>
+          <p:nvCxnSpPr>
+            <p:cNvPr id="7180" name="Straight Connector 7179">
+              <a:extLst>
+                <a:ext uri="{FF2B5EF4-FFF2-40B4-BE49-F238E27FC236}">
+                  <a16:creationId xmlns:a16="http://schemas.microsoft.com/office/drawing/2014/main" id="{FAE84420-E672-4A16-8384-42BDDC4A9627}"/>
+                </a:ext>
+                <a:ext uri="{C183D7F6-B498-43B3-948B-1728B52AA6E4}">
+                  <adec:decorative xmlns:adec="http://schemas.microsoft.com/office/drawing/2017/decorative" val="1"/>
+                </a:ext>
+              </a:extLst>
+            </p:cNvPr>
+            <p:cNvCxnSpPr/>
+            <p:nvPr>
+              <p:extLst>
+                <p:ext uri="{386F3935-93C4-4BCD-93E2-E3B085C9AB24}">
+                  <p16:designElem xmlns:p16="http://schemas.microsoft.com/office/powerpoint/2015/main" val="1"/>
+                </p:ext>
+              </p:extLst>
+            </p:nvPr>
+          </p:nvCxnSpPr>
+          <p:spPr>
+            <a:xfrm flipH="1">
+              <a:off x="10292292" y="3285067"/>
+              <a:ext cx="1896534" cy="1896533"/>
+            </a:xfrm>
+            <a:prstGeom prst="line">
+              <a:avLst/>
+            </a:prstGeom>
+            <a:ln w="9525">
+              <a:solidFill>
+                <a:schemeClr val="tx1"/>
+              </a:solidFill>
+            </a:ln>
+          </p:spPr>
+          <p:style>
+            <a:lnRef idx="2">
+              <a:schemeClr val="accent1"/>
+            </a:lnRef>
+            <a:fillRef idx="0">
+              <a:schemeClr val="accent1"/>
+            </a:fillRef>
+            <a:effectRef idx="1">
+              <a:schemeClr val="accent1"/>
+            </a:effectRef>
+            <a:fontRef idx="minor">
+              <a:schemeClr val="tx1"/>
+            </a:fontRef>
+          </p:style>
+        </p:cxnSp>
+        <p:cxnSp>
+          <p:nvCxnSpPr>
+            <p:cNvPr id="7181" name="Straight Connector 7180">
+              <a:extLst>
+                <a:ext uri="{FF2B5EF4-FFF2-40B4-BE49-F238E27FC236}">
+                  <a16:creationId xmlns:a16="http://schemas.microsoft.com/office/drawing/2014/main" id="{044D91EB-FA8D-4FD3-88F8-053F9962BD40}"/>
+                </a:ext>
+                <a:ext uri="{C183D7F6-B498-43B3-948B-1728B52AA6E4}">
+                  <adec:decorative xmlns:adec="http://schemas.microsoft.com/office/drawing/2017/decorative" val="1"/>
+                </a:ext>
+              </a:extLst>
+            </p:cNvPr>
+            <p:cNvCxnSpPr/>
+            <p:nvPr>
+              <p:extLst>
+                <p:ext uri="{386F3935-93C4-4BCD-93E2-E3B085C9AB24}">
+                  <p16:designElem xmlns:p16="http://schemas.microsoft.com/office/powerpoint/2015/main" val="1"/>
+                </p:ext>
+              </p:extLst>
+            </p:nvPr>
+          </p:nvCxnSpPr>
+          <p:spPr>
+            <a:xfrm flipH="1">
+              <a:off x="10443103" y="3131080"/>
+              <a:ext cx="1745722" cy="1745720"/>
+            </a:xfrm>
+            <a:prstGeom prst="line">
+              <a:avLst/>
+            </a:prstGeom>
+            <a:ln w="28575">
+              <a:solidFill>
+                <a:schemeClr val="tx1"/>
+              </a:solidFill>
+            </a:ln>
+          </p:spPr>
+          <p:style>
+            <a:lnRef idx="2">
+              <a:schemeClr val="accent1"/>
+            </a:lnRef>
+            <a:fillRef idx="0">
+              <a:schemeClr val="accent1"/>
+            </a:fillRef>
+            <a:effectRef idx="1">
+              <a:schemeClr val="accent1"/>
+            </a:effectRef>
+            <a:fontRef idx="minor">
+              <a:schemeClr val="tx1"/>
+            </a:fontRef>
+          </p:style>
+        </p:cxnSp>
+        <p:cxnSp>
+          <p:nvCxnSpPr>
+            <p:cNvPr id="7182" name="Straight Connector 7181">
+              <a:extLst>
+                <a:ext uri="{FF2B5EF4-FFF2-40B4-BE49-F238E27FC236}">
+                  <a16:creationId xmlns:a16="http://schemas.microsoft.com/office/drawing/2014/main" id="{756B711F-46BD-4789-926C-CF2F01F71D68}"/>
+                </a:ext>
+                <a:ext uri="{C183D7F6-B498-43B3-948B-1728B52AA6E4}">
+                  <adec:decorative xmlns:adec="http://schemas.microsoft.com/office/drawing/2017/decorative" val="1"/>
+                </a:ext>
+              </a:extLst>
+            </p:cNvPr>
+            <p:cNvCxnSpPr/>
+            <p:nvPr>
+              <p:extLst>
+                <p:ext uri="{386F3935-93C4-4BCD-93E2-E3B085C9AB24}">
+                  <p16:designElem xmlns:p16="http://schemas.microsoft.com/office/powerpoint/2015/main" val="1"/>
+                </p:ext>
+              </p:extLst>
+            </p:nvPr>
+          </p:nvCxnSpPr>
+          <p:spPr>
+            <a:xfrm flipH="1">
+              <a:off x="10918826" y="3683001"/>
+              <a:ext cx="1270001" cy="1269999"/>
+            </a:xfrm>
+            <a:prstGeom prst="line">
+              <a:avLst/>
+            </a:prstGeom>
+            <a:ln w="28575">
+              <a:solidFill>
+                <a:schemeClr val="tx1"/>
+              </a:solidFill>
+            </a:ln>
+          </p:spPr>
+          <p:style>
+            <a:lnRef idx="2">
+              <a:schemeClr val="accent1"/>
+            </a:lnRef>
+            <a:fillRef idx="0">
+              <a:schemeClr val="accent1"/>
+            </a:fillRef>
+            <a:effectRef idx="1">
+              <a:schemeClr val="accent1"/>
+            </a:effectRef>
+            <a:fontRef idx="minor">
+              <a:schemeClr val="tx1"/>
+            </a:fontRef>
+          </p:style>
+        </p:cxnSp>
+      </p:grpSp>
+    </p:spTree>
+    <p:extLst>
+      <p:ext uri="{BB962C8B-B14F-4D97-AF65-F5344CB8AC3E}">
+        <p14:creationId xmlns:p14="http://schemas.microsoft.com/office/powerpoint/2010/main" val="1331931139"/>
+      </p:ext>
+    </p:extLst>
+  </p:cSld>
+  <p:clrMapOvr>
+    <a:masterClrMapping/>
+  </p:clrMapOvr>
+</p:sld>
+</file>
+
+<file path=ppt/slides/slide17.xml><?xml version="1.0" encoding="utf-8"?>
+<p:sld xmlns:a="http://schemas.openxmlformats.org/drawingml/2006/main" xmlns:r="http://schemas.openxmlformats.org/officeDocument/2006/relationships" xmlns:p="http://schemas.openxmlformats.org/presentationml/2006/main">
+  <p:cSld>
+    <p:bg>
+      <p:bgPr>
+        <a:gradFill rotWithShape="1">
+          <a:gsLst>
+            <a:gs pos="10000">
+              <a:schemeClr val="bg2">
+                <a:tint val="97000"/>
+                <a:hueMod val="92000"/>
+                <a:satMod val="169000"/>
+                <a:lumMod val="164000"/>
+              </a:schemeClr>
+            </a:gs>
+            <a:gs pos="100000">
+              <a:schemeClr val="bg2">
+                <a:shade val="96000"/>
+                <a:satMod val="120000"/>
+                <a:lumMod val="90000"/>
+              </a:schemeClr>
+            </a:gs>
+          </a:gsLst>
+          <a:lin ang="6120000" scaled="1"/>
+        </a:gradFill>
+        <a:effectLst/>
+      </p:bgPr>
+    </p:bg>
+    <p:spTree>
+      <p:nvGrpSpPr>
+        <p:cNvPr id="1" name=""/>
+        <p:cNvGrpSpPr/>
+        <p:nvPr/>
+      </p:nvGrpSpPr>
+      <p:grpSpPr>
+        <a:xfrm>
+          <a:off x="0" y="0"/>
+          <a:ext cx="0" cy="0"/>
+          <a:chOff x="0" y="0"/>
+          <a:chExt cx="0" cy="0"/>
+        </a:xfrm>
+      </p:grpSpPr>
+      <p:sp useBgFill="1">
+        <p:nvSpPr>
           <p:cNvPr id="9" name="Rectangle 8">
             <a:extLst>
               <a:ext uri="{FF2B5EF4-FFF2-40B4-BE49-F238E27FC236}">
